--- a/program/rock_paper_scissors/剪刀石头布.pptx
+++ b/program/rock_paper_scissors/剪刀石头布.pptx
@@ -115,7 +115,27 @@
       </a:defRPr>
     </a:lvl9pPr>
   </p:defaultTextStyle>
+  <p:extLst>
+    <p:ext uri="{EFAFB233-063F-42B5-8137-9DF3F51BA10A}">
+      <p15:sldGuideLst xmlns:p15="http://schemas.microsoft.com/office/powerpoint/2012/main">
+        <p15:guide id="1" orient="horz" pos="2160">
+          <p15:clr>
+            <a:srgbClr val="A4A3A4"/>
+          </p15:clr>
+        </p15:guide>
+        <p15:guide id="2" pos="2880">
+          <p15:clr>
+            <a:srgbClr val="A4A3A4"/>
+          </p15:clr>
+        </p15:guide>
+      </p15:sldGuideLst>
+    </p:ext>
+  </p:extLst>
 </p:presentation>
+</file>
+
+<file path=ppt/revisionInfo.xml><?xml version="1.0" encoding="utf-8"?>
+<p1510:revInfo xmlns:a="http://schemas.openxmlformats.org/drawingml/2006/main" xmlns:r="http://schemas.openxmlformats.org/officeDocument/2006/relationships" xmlns:p1510="http://schemas.microsoft.com/office/powerpoint/2015/10/main"/>
 </file>
 
 <file path=ppt/notesMasters/notesMaster1.xml><?xml version="1.0" encoding="utf-8"?>
@@ -200,7 +220,7 @@
           <a:p>
             <a:fld id="{F02176FF-052C-4255-B6EC-704EDBB3C7DC}" type="datetimeFigureOut">
               <a:rPr lang="zh-CN" altLang="en-US" smtClean="0"/>
-              <a:t>2018/1/3</a:t>
+              <a:t>2018/1/4</a:t>
             </a:fld>
             <a:endParaRPr lang="zh-CN" altLang="en-US"/>
           </a:p>
@@ -264,38 +284,37 @@
           <a:p>
             <a:pPr lvl="0"/>
             <a:r>
-              <a:rPr lang="zh-CN" altLang="en-US" smtClean="0"/>
+              <a:rPr lang="zh-CN" altLang="en-US"/>
               <a:t>单击此处编辑母版文本样式</a:t>
             </a:r>
           </a:p>
           <a:p>
             <a:pPr lvl="1"/>
             <a:r>
-              <a:rPr lang="zh-CN" altLang="en-US" smtClean="0"/>
+              <a:rPr lang="zh-CN" altLang="en-US"/>
               <a:t>第二级</a:t>
             </a:r>
           </a:p>
           <a:p>
             <a:pPr lvl="2"/>
             <a:r>
-              <a:rPr lang="zh-CN" altLang="en-US" smtClean="0"/>
+              <a:rPr lang="zh-CN" altLang="en-US"/>
               <a:t>第三级</a:t>
             </a:r>
           </a:p>
           <a:p>
             <a:pPr lvl="3"/>
             <a:r>
-              <a:rPr lang="zh-CN" altLang="en-US" smtClean="0"/>
+              <a:rPr lang="zh-CN" altLang="en-US"/>
               <a:t>第四级</a:t>
             </a:r>
           </a:p>
           <a:p>
             <a:pPr lvl="4"/>
             <a:r>
-              <a:rPr lang="zh-CN" altLang="en-US" smtClean="0"/>
+              <a:rPr lang="zh-CN" altLang="en-US"/>
               <a:t>第五级</a:t>
             </a:r>
-            <a:endParaRPr lang="zh-CN" altLang="en-US"/>
           </a:p>
         </p:txBody>
       </p:sp>
@@ -722,7 +741,7 @@
           </a:lstStyle>
           <a:p>
             <a:r>
-              <a:rPr kumimoji="0" lang="zh-CN" altLang="en-US" smtClean="0"/>
+              <a:rPr kumimoji="0" lang="zh-CN" altLang="en-US"/>
               <a:t>单击此处编辑母版副标题样式</a:t>
             </a:r>
             <a:endParaRPr kumimoji="0" lang="en-US"/>
@@ -746,7 +765,7 @@
           <a:p>
             <a:fld id="{530820CF-B880-4189-942D-D702A7CBA730}" type="datetimeFigureOut">
               <a:rPr lang="zh-CN" altLang="en-US" smtClean="0"/>
-              <a:t>2018/1/3</a:t>
+              <a:t>2018/1/4</a:t>
             </a:fld>
             <a:endParaRPr lang="zh-CN" altLang="en-US"/>
           </a:p>
@@ -975,7 +994,7 @@
           </a:lstStyle>
           <a:p>
             <a:r>
-              <a:rPr kumimoji="0" lang="zh-CN" altLang="en-US" smtClean="0"/>
+              <a:rPr kumimoji="0" lang="zh-CN" altLang="en-US"/>
               <a:t>单击此处编辑母版标题样式</a:t>
             </a:r>
             <a:endParaRPr kumimoji="0" lang="en-US"/>
@@ -1023,7 +1042,7 @@
           <a:lstStyle/>
           <a:p>
             <a:r>
-              <a:rPr kumimoji="0" lang="zh-CN" altLang="en-US" smtClean="0"/>
+              <a:rPr kumimoji="0" lang="zh-CN" altLang="en-US"/>
               <a:t>单击此处编辑母版标题样式</a:t>
             </a:r>
             <a:endParaRPr kumimoji="0" lang="en-US"/>
@@ -1047,35 +1066,35 @@
           <a:p>
             <a:pPr lvl="0" eaLnBrk="1" latinLnBrk="0" hangingPunct="1"/>
             <a:r>
-              <a:rPr lang="zh-CN" altLang="en-US" smtClean="0"/>
+              <a:rPr lang="zh-CN" altLang="en-US"/>
               <a:t>单击此处编辑母版文本样式</a:t>
             </a:r>
           </a:p>
           <a:p>
             <a:pPr lvl="1" eaLnBrk="1" latinLnBrk="0" hangingPunct="1"/>
             <a:r>
-              <a:rPr lang="zh-CN" altLang="en-US" smtClean="0"/>
+              <a:rPr lang="zh-CN" altLang="en-US"/>
               <a:t>第二级</a:t>
             </a:r>
           </a:p>
           <a:p>
             <a:pPr lvl="2" eaLnBrk="1" latinLnBrk="0" hangingPunct="1"/>
             <a:r>
-              <a:rPr lang="zh-CN" altLang="en-US" smtClean="0"/>
+              <a:rPr lang="zh-CN" altLang="en-US"/>
               <a:t>第三级</a:t>
             </a:r>
           </a:p>
           <a:p>
             <a:pPr lvl="3" eaLnBrk="1" latinLnBrk="0" hangingPunct="1"/>
             <a:r>
-              <a:rPr lang="zh-CN" altLang="en-US" smtClean="0"/>
+              <a:rPr lang="zh-CN" altLang="en-US"/>
               <a:t>第四级</a:t>
             </a:r>
           </a:p>
           <a:p>
             <a:pPr lvl="4" eaLnBrk="1" latinLnBrk="0" hangingPunct="1"/>
             <a:r>
-              <a:rPr lang="zh-CN" altLang="en-US" smtClean="0"/>
+              <a:rPr lang="zh-CN" altLang="en-US"/>
               <a:t>第五级</a:t>
             </a:r>
             <a:endParaRPr kumimoji="0" lang="en-US"/>
@@ -1099,7 +1118,7 @@
           <a:p>
             <a:fld id="{530820CF-B880-4189-942D-D702A7CBA730}" type="datetimeFigureOut">
               <a:rPr lang="zh-CN" altLang="en-US" smtClean="0"/>
-              <a:t>2018/1/3</a:t>
+              <a:t>2018/1/4</a:t>
             </a:fld>
             <a:endParaRPr lang="zh-CN" altLang="en-US"/>
           </a:p>
@@ -1193,7 +1212,7 @@
           <a:lstStyle/>
           <a:p>
             <a:r>
-              <a:rPr kumimoji="0" lang="zh-CN" altLang="en-US" smtClean="0"/>
+              <a:rPr kumimoji="0" lang="zh-CN" altLang="en-US"/>
               <a:t>单击此处编辑母版标题样式</a:t>
             </a:r>
             <a:endParaRPr kumimoji="0" lang="en-US"/>
@@ -1222,35 +1241,35 @@
           <a:p>
             <a:pPr lvl="0" eaLnBrk="1" latinLnBrk="0" hangingPunct="1"/>
             <a:r>
-              <a:rPr lang="zh-CN" altLang="en-US" smtClean="0"/>
+              <a:rPr lang="zh-CN" altLang="en-US"/>
               <a:t>单击此处编辑母版文本样式</a:t>
             </a:r>
           </a:p>
           <a:p>
             <a:pPr lvl="1" eaLnBrk="1" latinLnBrk="0" hangingPunct="1"/>
             <a:r>
-              <a:rPr lang="zh-CN" altLang="en-US" smtClean="0"/>
+              <a:rPr lang="zh-CN" altLang="en-US"/>
               <a:t>第二级</a:t>
             </a:r>
           </a:p>
           <a:p>
             <a:pPr lvl="2" eaLnBrk="1" latinLnBrk="0" hangingPunct="1"/>
             <a:r>
-              <a:rPr lang="zh-CN" altLang="en-US" smtClean="0"/>
+              <a:rPr lang="zh-CN" altLang="en-US"/>
               <a:t>第三级</a:t>
             </a:r>
           </a:p>
           <a:p>
             <a:pPr lvl="3" eaLnBrk="1" latinLnBrk="0" hangingPunct="1"/>
             <a:r>
-              <a:rPr lang="zh-CN" altLang="en-US" smtClean="0"/>
+              <a:rPr lang="zh-CN" altLang="en-US"/>
               <a:t>第四级</a:t>
             </a:r>
           </a:p>
           <a:p>
             <a:pPr lvl="4" eaLnBrk="1" latinLnBrk="0" hangingPunct="1"/>
             <a:r>
-              <a:rPr lang="zh-CN" altLang="en-US" smtClean="0"/>
+              <a:rPr lang="zh-CN" altLang="en-US"/>
               <a:t>第五级</a:t>
             </a:r>
             <a:endParaRPr kumimoji="0" lang="en-US"/>
@@ -1274,7 +1293,7 @@
           <a:p>
             <a:fld id="{530820CF-B880-4189-942D-D702A7CBA730}" type="datetimeFigureOut">
               <a:rPr lang="zh-CN" altLang="en-US" smtClean="0"/>
-              <a:t>2018/1/3</a:t>
+              <a:t>2018/1/4</a:t>
             </a:fld>
             <a:endParaRPr lang="zh-CN" altLang="en-US"/>
           </a:p>
@@ -1363,7 +1382,7 @@
           <a:lstStyle/>
           <a:p>
             <a:r>
-              <a:rPr kumimoji="0" lang="zh-CN" altLang="en-US" smtClean="0"/>
+              <a:rPr kumimoji="0" lang="zh-CN" altLang="en-US"/>
               <a:t>单击此处编辑母版标题样式</a:t>
             </a:r>
             <a:endParaRPr kumimoji="0" lang="en-US"/>
@@ -1387,7 +1406,7 @@
           <a:p>
             <a:fld id="{530820CF-B880-4189-942D-D702A7CBA730}" type="datetimeFigureOut">
               <a:rPr lang="zh-CN" altLang="en-US" smtClean="0"/>
-              <a:t>2018/1/3</a:t>
+              <a:t>2018/1/4</a:t>
             </a:fld>
             <a:endParaRPr lang="zh-CN" altLang="en-US"/>
           </a:p>
@@ -1457,35 +1476,35 @@
           <a:p>
             <a:pPr lvl="0" eaLnBrk="1" latinLnBrk="0" hangingPunct="1"/>
             <a:r>
-              <a:rPr lang="zh-CN" altLang="en-US" smtClean="0"/>
+              <a:rPr lang="zh-CN" altLang="en-US"/>
               <a:t>单击此处编辑母版文本样式</a:t>
             </a:r>
           </a:p>
           <a:p>
             <a:pPr lvl="1" eaLnBrk="1" latinLnBrk="0" hangingPunct="1"/>
             <a:r>
-              <a:rPr lang="zh-CN" altLang="en-US" smtClean="0"/>
+              <a:rPr lang="zh-CN" altLang="en-US"/>
               <a:t>第二级</a:t>
             </a:r>
           </a:p>
           <a:p>
             <a:pPr lvl="2" eaLnBrk="1" latinLnBrk="0" hangingPunct="1"/>
             <a:r>
-              <a:rPr lang="zh-CN" altLang="en-US" smtClean="0"/>
+              <a:rPr lang="zh-CN" altLang="en-US"/>
               <a:t>第三级</a:t>
             </a:r>
           </a:p>
           <a:p>
             <a:pPr lvl="3" eaLnBrk="1" latinLnBrk="0" hangingPunct="1"/>
             <a:r>
-              <a:rPr lang="zh-CN" altLang="en-US" smtClean="0"/>
+              <a:rPr lang="zh-CN" altLang="en-US"/>
               <a:t>第四级</a:t>
             </a:r>
           </a:p>
           <a:p>
             <a:pPr lvl="4" eaLnBrk="1" latinLnBrk="0" hangingPunct="1"/>
             <a:r>
-              <a:rPr lang="zh-CN" altLang="en-US" smtClean="0"/>
+              <a:rPr lang="zh-CN" altLang="en-US"/>
               <a:t>第五级</a:t>
             </a:r>
             <a:endParaRPr kumimoji="0" lang="en-US"/>
@@ -1642,7 +1661,7 @@
           </a:lstStyle>
           <a:p>
             <a:r>
-              <a:rPr kumimoji="0" lang="zh-CN" altLang="en-US" smtClean="0"/>
+              <a:rPr kumimoji="0" lang="zh-CN" altLang="en-US"/>
               <a:t>单击此处编辑母版标题样式</a:t>
             </a:r>
             <a:endParaRPr kumimoji="0" lang="en-US"/>
@@ -1722,7 +1741,7 @@
           <a:p>
             <a:pPr lvl="0" eaLnBrk="1" latinLnBrk="0" hangingPunct="1"/>
             <a:r>
-              <a:rPr kumimoji="0" lang="zh-CN" altLang="en-US" smtClean="0"/>
+              <a:rPr kumimoji="0" lang="zh-CN" altLang="en-US"/>
               <a:t>单击此处编辑母版文本样式</a:t>
             </a:r>
           </a:p>
@@ -1745,7 +1764,7 @@
           <a:p>
             <a:fld id="{530820CF-B880-4189-942D-D702A7CBA730}" type="datetimeFigureOut">
               <a:rPr lang="zh-CN" altLang="en-US" smtClean="0"/>
-              <a:t>2018/1/3</a:t>
+              <a:t>2018/1/4</a:t>
             </a:fld>
             <a:endParaRPr lang="zh-CN" altLang="en-US"/>
           </a:p>
@@ -1986,7 +2005,7 @@
           <a:lstStyle/>
           <a:p>
             <a:r>
-              <a:rPr kumimoji="0" lang="zh-CN" altLang="en-US" smtClean="0"/>
+              <a:rPr kumimoji="0" lang="zh-CN" altLang="en-US"/>
               <a:t>单击此处编辑母版标题样式</a:t>
             </a:r>
             <a:endParaRPr kumimoji="0" lang="en-US"/>
@@ -2010,7 +2029,7 @@
           <a:p>
             <a:fld id="{530820CF-B880-4189-942D-D702A7CBA730}" type="datetimeFigureOut">
               <a:rPr lang="zh-CN" altLang="en-US" smtClean="0"/>
-              <a:t>2018/1/3</a:t>
+              <a:t>2018/1/4</a:t>
             </a:fld>
             <a:endParaRPr lang="zh-CN" altLang="en-US"/>
           </a:p>
@@ -2080,35 +2099,35 @@
           <a:p>
             <a:pPr lvl="0" eaLnBrk="1" latinLnBrk="0" hangingPunct="1"/>
             <a:r>
-              <a:rPr lang="zh-CN" altLang="en-US" smtClean="0"/>
+              <a:rPr lang="zh-CN" altLang="en-US"/>
               <a:t>单击此处编辑母版文本样式</a:t>
             </a:r>
           </a:p>
           <a:p>
             <a:pPr lvl="1" eaLnBrk="1" latinLnBrk="0" hangingPunct="1"/>
             <a:r>
-              <a:rPr lang="zh-CN" altLang="en-US" smtClean="0"/>
+              <a:rPr lang="zh-CN" altLang="en-US"/>
               <a:t>第二级</a:t>
             </a:r>
           </a:p>
           <a:p>
             <a:pPr lvl="2" eaLnBrk="1" latinLnBrk="0" hangingPunct="1"/>
             <a:r>
-              <a:rPr lang="zh-CN" altLang="en-US" smtClean="0"/>
+              <a:rPr lang="zh-CN" altLang="en-US"/>
               <a:t>第三级</a:t>
             </a:r>
           </a:p>
           <a:p>
             <a:pPr lvl="3" eaLnBrk="1" latinLnBrk="0" hangingPunct="1"/>
             <a:r>
-              <a:rPr lang="zh-CN" altLang="en-US" smtClean="0"/>
+              <a:rPr lang="zh-CN" altLang="en-US"/>
               <a:t>第四级</a:t>
             </a:r>
           </a:p>
           <a:p>
             <a:pPr lvl="4" eaLnBrk="1" latinLnBrk="0" hangingPunct="1"/>
             <a:r>
-              <a:rPr lang="zh-CN" altLang="en-US" smtClean="0"/>
+              <a:rPr lang="zh-CN" altLang="en-US"/>
               <a:t>第五级</a:t>
             </a:r>
             <a:endParaRPr kumimoji="0" lang="en-US"/>
@@ -2137,35 +2156,35 @@
           <a:p>
             <a:pPr lvl="0" eaLnBrk="1" latinLnBrk="0" hangingPunct="1"/>
             <a:r>
-              <a:rPr lang="zh-CN" altLang="en-US" smtClean="0"/>
+              <a:rPr lang="zh-CN" altLang="en-US"/>
               <a:t>单击此处编辑母版文本样式</a:t>
             </a:r>
           </a:p>
           <a:p>
             <a:pPr lvl="1" eaLnBrk="1" latinLnBrk="0" hangingPunct="1"/>
             <a:r>
-              <a:rPr lang="zh-CN" altLang="en-US" smtClean="0"/>
+              <a:rPr lang="zh-CN" altLang="en-US"/>
               <a:t>第二级</a:t>
             </a:r>
           </a:p>
           <a:p>
             <a:pPr lvl="2" eaLnBrk="1" latinLnBrk="0" hangingPunct="1"/>
             <a:r>
-              <a:rPr lang="zh-CN" altLang="en-US" smtClean="0"/>
+              <a:rPr lang="zh-CN" altLang="en-US"/>
               <a:t>第三级</a:t>
             </a:r>
           </a:p>
           <a:p>
             <a:pPr lvl="3" eaLnBrk="1" latinLnBrk="0" hangingPunct="1"/>
             <a:r>
-              <a:rPr lang="zh-CN" altLang="en-US" smtClean="0"/>
+              <a:rPr lang="zh-CN" altLang="en-US"/>
               <a:t>第四级</a:t>
             </a:r>
           </a:p>
           <a:p>
             <a:pPr lvl="4" eaLnBrk="1" latinLnBrk="0" hangingPunct="1"/>
             <a:r>
-              <a:rPr lang="zh-CN" altLang="en-US" smtClean="0"/>
+              <a:rPr lang="zh-CN" altLang="en-US"/>
               <a:t>第五级</a:t>
             </a:r>
             <a:endParaRPr kumimoji="0" lang="en-US"/>
@@ -2222,7 +2241,7 @@
           </a:lstStyle>
           <a:p>
             <a:r>
-              <a:rPr kumimoji="0" lang="zh-CN" altLang="en-US" smtClean="0"/>
+              <a:rPr kumimoji="0" lang="zh-CN" altLang="en-US"/>
               <a:t>单击此处编辑母版标题样式</a:t>
             </a:r>
             <a:endParaRPr kumimoji="0" lang="en-US"/>
@@ -2286,7 +2305,7 @@
           <a:p>
             <a:pPr lvl="0" eaLnBrk="1" latinLnBrk="0" hangingPunct="1"/>
             <a:r>
-              <a:rPr kumimoji="0" lang="zh-CN" altLang="en-US" smtClean="0"/>
+              <a:rPr kumimoji="0" lang="zh-CN" altLang="en-US"/>
               <a:t>单击此处编辑母版文本样式</a:t>
             </a:r>
           </a:p>
@@ -2349,7 +2368,7 @@
           <a:p>
             <a:pPr lvl="0" eaLnBrk="1" latinLnBrk="0" hangingPunct="1"/>
             <a:r>
-              <a:rPr kumimoji="0" lang="zh-CN" altLang="en-US" smtClean="0"/>
+              <a:rPr kumimoji="0" lang="zh-CN" altLang="en-US"/>
               <a:t>单击此处编辑母版文本样式</a:t>
             </a:r>
           </a:p>
@@ -2372,7 +2391,7 @@
           <a:p>
             <a:fld id="{530820CF-B880-4189-942D-D702A7CBA730}" type="datetimeFigureOut">
               <a:rPr lang="zh-CN" altLang="en-US" smtClean="0"/>
-              <a:t>2018/1/3</a:t>
+              <a:t>2018/1/4</a:t>
             </a:fld>
             <a:endParaRPr lang="zh-CN" altLang="en-US"/>
           </a:p>
@@ -2442,35 +2461,35 @@
           <a:p>
             <a:pPr lvl="0" eaLnBrk="1" latinLnBrk="0" hangingPunct="1"/>
             <a:r>
-              <a:rPr lang="zh-CN" altLang="en-US" smtClean="0"/>
+              <a:rPr lang="zh-CN" altLang="en-US"/>
               <a:t>单击此处编辑母版文本样式</a:t>
             </a:r>
           </a:p>
           <a:p>
             <a:pPr lvl="1" eaLnBrk="1" latinLnBrk="0" hangingPunct="1"/>
             <a:r>
-              <a:rPr lang="zh-CN" altLang="en-US" smtClean="0"/>
+              <a:rPr lang="zh-CN" altLang="en-US"/>
               <a:t>第二级</a:t>
             </a:r>
           </a:p>
           <a:p>
             <a:pPr lvl="2" eaLnBrk="1" latinLnBrk="0" hangingPunct="1"/>
             <a:r>
-              <a:rPr lang="zh-CN" altLang="en-US" smtClean="0"/>
+              <a:rPr lang="zh-CN" altLang="en-US"/>
               <a:t>第三级</a:t>
             </a:r>
           </a:p>
           <a:p>
             <a:pPr lvl="3" eaLnBrk="1" latinLnBrk="0" hangingPunct="1"/>
             <a:r>
-              <a:rPr lang="zh-CN" altLang="en-US" smtClean="0"/>
+              <a:rPr lang="zh-CN" altLang="en-US"/>
               <a:t>第四级</a:t>
             </a:r>
           </a:p>
           <a:p>
             <a:pPr lvl="4" eaLnBrk="1" latinLnBrk="0" hangingPunct="1"/>
             <a:r>
-              <a:rPr lang="zh-CN" altLang="en-US" smtClean="0"/>
+              <a:rPr lang="zh-CN" altLang="en-US"/>
               <a:t>第五级</a:t>
             </a:r>
             <a:endParaRPr kumimoji="0" lang="en-US"/>
@@ -2499,35 +2518,35 @@
           <a:p>
             <a:pPr lvl="0" eaLnBrk="1" latinLnBrk="0" hangingPunct="1"/>
             <a:r>
-              <a:rPr lang="zh-CN" altLang="en-US" smtClean="0"/>
+              <a:rPr lang="zh-CN" altLang="en-US"/>
               <a:t>单击此处编辑母版文本样式</a:t>
             </a:r>
           </a:p>
           <a:p>
             <a:pPr lvl="1" eaLnBrk="1" latinLnBrk="0" hangingPunct="1"/>
             <a:r>
-              <a:rPr lang="zh-CN" altLang="en-US" smtClean="0"/>
+              <a:rPr lang="zh-CN" altLang="en-US"/>
               <a:t>第二级</a:t>
             </a:r>
           </a:p>
           <a:p>
             <a:pPr lvl="2" eaLnBrk="1" latinLnBrk="0" hangingPunct="1"/>
             <a:r>
-              <a:rPr lang="zh-CN" altLang="en-US" smtClean="0"/>
+              <a:rPr lang="zh-CN" altLang="en-US"/>
               <a:t>第三级</a:t>
             </a:r>
           </a:p>
           <a:p>
             <a:pPr lvl="3" eaLnBrk="1" latinLnBrk="0" hangingPunct="1"/>
             <a:r>
-              <a:rPr lang="zh-CN" altLang="en-US" smtClean="0"/>
+              <a:rPr lang="zh-CN" altLang="en-US"/>
               <a:t>第四级</a:t>
             </a:r>
           </a:p>
           <a:p>
             <a:pPr lvl="4" eaLnBrk="1" latinLnBrk="0" hangingPunct="1"/>
             <a:r>
-              <a:rPr lang="zh-CN" altLang="en-US" smtClean="0"/>
+              <a:rPr lang="zh-CN" altLang="en-US"/>
               <a:t>第五级</a:t>
             </a:r>
             <a:endParaRPr kumimoji="0" lang="en-US"/>
@@ -2575,7 +2594,7 @@
           <a:lstStyle/>
           <a:p>
             <a:r>
-              <a:rPr kumimoji="0" lang="zh-CN" altLang="en-US" smtClean="0"/>
+              <a:rPr kumimoji="0" lang="zh-CN" altLang="en-US"/>
               <a:t>单击此处编辑母版标题样式</a:t>
             </a:r>
             <a:endParaRPr kumimoji="0" lang="en-US"/>
@@ -2599,7 +2618,7 @@
           <a:p>
             <a:fld id="{530820CF-B880-4189-942D-D702A7CBA730}" type="datetimeFigureOut">
               <a:rPr lang="zh-CN" altLang="en-US" smtClean="0"/>
-              <a:t>2018/1/3</a:t>
+              <a:t>2018/1/4</a:t>
             </a:fld>
             <a:endParaRPr lang="zh-CN" altLang="en-US"/>
           </a:p>
@@ -2689,7 +2708,7 @@
           <a:p>
             <a:fld id="{530820CF-B880-4189-942D-D702A7CBA730}" type="datetimeFigureOut">
               <a:rPr lang="zh-CN" altLang="en-US" smtClean="0"/>
-              <a:t>2018/1/3</a:t>
+              <a:t>2018/1/4</a:t>
             </a:fld>
             <a:endParaRPr lang="zh-CN" altLang="en-US"/>
           </a:p>
@@ -2883,7 +2902,7 @@
           </a:lstStyle>
           <a:p>
             <a:r>
-              <a:rPr kumimoji="0" lang="zh-CN" altLang="en-US" smtClean="0"/>
+              <a:rPr kumimoji="0" lang="zh-CN" altLang="en-US"/>
               <a:t>单击此处编辑母版标题样式</a:t>
             </a:r>
             <a:endParaRPr kumimoji="0" lang="en-US"/>
@@ -2933,7 +2952,7 @@
           <a:p>
             <a:pPr lvl="0" eaLnBrk="1" latinLnBrk="0" hangingPunct="1"/>
             <a:r>
-              <a:rPr kumimoji="0" lang="zh-CN" altLang="en-US" smtClean="0"/>
+              <a:rPr kumimoji="0" lang="zh-CN" altLang="en-US"/>
               <a:t>单击此处编辑母版文本样式</a:t>
             </a:r>
           </a:p>
@@ -2956,7 +2975,7 @@
           <a:p>
             <a:fld id="{530820CF-B880-4189-942D-D702A7CBA730}" type="datetimeFigureOut">
               <a:rPr lang="zh-CN" altLang="en-US" smtClean="0"/>
-              <a:t>2018/1/3</a:t>
+              <a:t>2018/1/4</a:t>
             </a:fld>
             <a:endParaRPr lang="zh-CN" altLang="en-US"/>
           </a:p>
@@ -3026,35 +3045,35 @@
           <a:p>
             <a:pPr lvl="0" eaLnBrk="1" latinLnBrk="0" hangingPunct="1"/>
             <a:r>
-              <a:rPr lang="zh-CN" altLang="en-US" smtClean="0"/>
+              <a:rPr lang="zh-CN" altLang="en-US"/>
               <a:t>单击此处编辑母版文本样式</a:t>
             </a:r>
           </a:p>
           <a:p>
             <a:pPr lvl="1" eaLnBrk="1" latinLnBrk="0" hangingPunct="1"/>
             <a:r>
-              <a:rPr lang="zh-CN" altLang="en-US" smtClean="0"/>
+              <a:rPr lang="zh-CN" altLang="en-US"/>
               <a:t>第二级</a:t>
             </a:r>
           </a:p>
           <a:p>
             <a:pPr lvl="2" eaLnBrk="1" latinLnBrk="0" hangingPunct="1"/>
             <a:r>
-              <a:rPr lang="zh-CN" altLang="en-US" smtClean="0"/>
+              <a:rPr lang="zh-CN" altLang="en-US"/>
               <a:t>第三级</a:t>
             </a:r>
           </a:p>
           <a:p>
             <a:pPr lvl="3" eaLnBrk="1" latinLnBrk="0" hangingPunct="1"/>
             <a:r>
-              <a:rPr lang="zh-CN" altLang="en-US" smtClean="0"/>
+              <a:rPr lang="zh-CN" altLang="en-US"/>
               <a:t>第四级</a:t>
             </a:r>
           </a:p>
           <a:p>
             <a:pPr lvl="4" eaLnBrk="1" latinLnBrk="0" hangingPunct="1"/>
             <a:r>
-              <a:rPr lang="zh-CN" altLang="en-US" smtClean="0"/>
+              <a:rPr lang="zh-CN" altLang="en-US"/>
               <a:t>第五级</a:t>
             </a:r>
             <a:endParaRPr kumimoji="0" lang="en-US"/>
@@ -3114,7 +3133,7 @@
           </a:lstStyle>
           <a:p>
             <a:r>
-              <a:rPr kumimoji="0" lang="zh-CN" altLang="en-US" smtClean="0"/>
+              <a:rPr kumimoji="0" lang="zh-CN" altLang="en-US"/>
               <a:t>单击此处编辑母版标题样式</a:t>
             </a:r>
             <a:endParaRPr kumimoji="0" lang="en-US"/>
@@ -3161,7 +3180,7 @@
           <a:p>
             <a:pPr lvl="0" eaLnBrk="1" latinLnBrk="0" hangingPunct="1"/>
             <a:r>
-              <a:rPr kumimoji="0" lang="zh-CN" altLang="en-US" smtClean="0"/>
+              <a:rPr kumimoji="0" lang="zh-CN" altLang="en-US"/>
               <a:t>单击此处编辑母版文本样式</a:t>
             </a:r>
           </a:p>
@@ -3184,7 +3203,7 @@
           <a:p>
             <a:fld id="{530820CF-B880-4189-942D-D702A7CBA730}" type="datetimeFigureOut">
               <a:rPr lang="zh-CN" altLang="en-US" smtClean="0"/>
-              <a:t>2018/1/3</a:t>
+              <a:t>2018/1/4</a:t>
             </a:fld>
             <a:endParaRPr lang="zh-CN" altLang="en-US"/>
           </a:p>
@@ -3424,7 +3443,7 @@
           </a:lstStyle>
           <a:p>
             <a:r>
-              <a:rPr kumimoji="0" lang="zh-CN" altLang="en-US" smtClean="0"/>
+              <a:rPr kumimoji="0" lang="zh-CN" altLang="en-US"/>
               <a:t>单击图标添加图片</a:t>
             </a:r>
             <a:endParaRPr kumimoji="0" lang="en-US" dirty="0"/>
@@ -3581,7 +3600,7 @@
           <a:lstStyle/>
           <a:p>
             <a:r>
-              <a:rPr kumimoji="0" lang="zh-CN" altLang="en-US" smtClean="0"/>
+              <a:rPr kumimoji="0" lang="zh-CN" altLang="en-US"/>
               <a:t>单击此处编辑母版标题样式</a:t>
             </a:r>
             <a:endParaRPr kumimoji="0" lang="en-US"/>
@@ -3615,35 +3634,35 @@
           <a:p>
             <a:pPr lvl="0" eaLnBrk="1" latinLnBrk="0" hangingPunct="1"/>
             <a:r>
-              <a:rPr kumimoji="0" lang="zh-CN" altLang="en-US" smtClean="0"/>
+              <a:rPr kumimoji="0" lang="zh-CN" altLang="en-US"/>
               <a:t>单击此处编辑母版文本样式</a:t>
             </a:r>
           </a:p>
           <a:p>
             <a:pPr lvl="1" eaLnBrk="1" latinLnBrk="0" hangingPunct="1"/>
             <a:r>
-              <a:rPr kumimoji="0" lang="zh-CN" altLang="en-US" smtClean="0"/>
+              <a:rPr kumimoji="0" lang="zh-CN" altLang="en-US"/>
               <a:t>第二级</a:t>
             </a:r>
           </a:p>
           <a:p>
             <a:pPr lvl="2" eaLnBrk="1" latinLnBrk="0" hangingPunct="1"/>
             <a:r>
-              <a:rPr kumimoji="0" lang="zh-CN" altLang="en-US" smtClean="0"/>
+              <a:rPr kumimoji="0" lang="zh-CN" altLang="en-US"/>
               <a:t>第三级</a:t>
             </a:r>
           </a:p>
           <a:p>
             <a:pPr lvl="3" eaLnBrk="1" latinLnBrk="0" hangingPunct="1"/>
             <a:r>
-              <a:rPr kumimoji="0" lang="zh-CN" altLang="en-US" smtClean="0"/>
+              <a:rPr kumimoji="0" lang="zh-CN" altLang="en-US"/>
               <a:t>第四级</a:t>
             </a:r>
           </a:p>
           <a:p>
             <a:pPr lvl="4" eaLnBrk="1" latinLnBrk="0" hangingPunct="1"/>
             <a:r>
-              <a:rPr kumimoji="0" lang="zh-CN" altLang="en-US" smtClean="0"/>
+              <a:rPr kumimoji="0" lang="zh-CN" altLang="en-US"/>
               <a:t>第五级</a:t>
             </a:r>
             <a:endParaRPr kumimoji="0" lang="en-US"/>
@@ -3683,7 +3702,7 @@
           <a:p>
             <a:fld id="{530820CF-B880-4189-942D-D702A7CBA730}" type="datetimeFigureOut">
               <a:rPr lang="zh-CN" altLang="en-US" smtClean="0"/>
-              <a:t>2018/1/3</a:t>
+              <a:t>2018/1/4</a:t>
             </a:fld>
             <a:endParaRPr lang="zh-CN" altLang="en-US"/>
           </a:p>
@@ -4109,10 +4128,9 @@
           <a:p>
             <a:pPr algn="r"/>
             <a:r>
-              <a:rPr lang="zh-CN" altLang="en-US" dirty="0" smtClean="0"/>
+              <a:rPr lang="zh-CN" altLang="en-US" dirty="0"/>
               <a:t>主讲人：鄢滟麟</a:t>
             </a:r>
-            <a:endParaRPr lang="zh-CN" altLang="en-US" dirty="0"/>
           </a:p>
         </p:txBody>
       </p:sp>
@@ -4132,10 +4150,9 @@
           <a:lstStyle/>
           <a:p>
             <a:r>
-              <a:rPr lang="zh-CN" altLang="en-US" dirty="0" smtClean="0"/>
+              <a:rPr lang="zh-CN" altLang="en-US" dirty="0"/>
               <a:t>剪刀石头布小游戏</a:t>
             </a:r>
-            <a:endParaRPr lang="zh-CN" altLang="en-US" dirty="0"/>
           </a:p>
         </p:txBody>
       </p:sp>
@@ -4149,13 +4166,6 @@
   <p:clrMapOvr>
     <a:masterClrMapping/>
   </p:clrMapOvr>
-  <p:timing>
-    <p:tnLst>
-      <p:par>
-        <p:cTn id="1" dur="indefinite" restart="never" nodeType="tmRoot"/>
-      </p:par>
-    </p:tnLst>
-  </p:timing>
 </p:sld>
 </file>
 
@@ -4193,10 +4203,9 @@
           <a:p>
             <a:pPr algn="ctr"/>
             <a:r>
-              <a:rPr lang="zh-CN" altLang="en-US" dirty="0" smtClean="0"/>
+              <a:rPr lang="zh-CN" altLang="en-US" dirty="0"/>
               <a:t>主要内容</a:t>
             </a:r>
-            <a:endParaRPr lang="zh-CN" altLang="en-US" dirty="0"/>
           </a:p>
         </p:txBody>
       </p:sp>
@@ -4221,47 +4230,46 @@
           <a:lstStyle/>
           <a:p>
             <a:r>
-              <a:rPr lang="en-US" altLang="zh-CN" dirty="0" smtClean="0"/>
+              <a:rPr lang="en-US" altLang="zh-CN" dirty="0"/>
               <a:t>1</a:t>
             </a:r>
             <a:r>
-              <a:rPr lang="zh-CN" altLang="en-US" dirty="0" smtClean="0"/>
+              <a:rPr lang="zh-CN" altLang="en-US" dirty="0"/>
               <a:t>、怎么样的小游戏</a:t>
             </a:r>
-            <a:endParaRPr lang="en-US" altLang="zh-CN" dirty="0" smtClean="0"/>
-          </a:p>
-          <a:p>
-            <a:r>
-              <a:rPr lang="en-US" altLang="zh-CN" dirty="0" smtClean="0"/>
+            <a:endParaRPr lang="en-US" altLang="zh-CN" dirty="0"/>
+          </a:p>
+          <a:p>
+            <a:r>
+              <a:rPr lang="en-US" altLang="zh-CN" dirty="0"/>
               <a:t>2</a:t>
             </a:r>
             <a:r>
-              <a:rPr lang="zh-CN" altLang="en-US" dirty="0" smtClean="0"/>
+              <a:rPr lang="zh-CN" altLang="en-US" dirty="0"/>
               <a:t>、闪屏界面的实现</a:t>
             </a:r>
-            <a:endParaRPr lang="en-US" altLang="zh-CN" dirty="0" smtClean="0"/>
-          </a:p>
-          <a:p>
-            <a:r>
-              <a:rPr lang="en-US" altLang="zh-CN" dirty="0" smtClean="0"/>
+            <a:endParaRPr lang="en-US" altLang="zh-CN" dirty="0"/>
+          </a:p>
+          <a:p>
+            <a:r>
+              <a:rPr lang="en-US" altLang="zh-CN" dirty="0"/>
               <a:t>3</a:t>
             </a:r>
             <a:r>
-              <a:rPr lang="zh-CN" altLang="en-US" dirty="0" smtClean="0"/>
+              <a:rPr lang="zh-CN" altLang="en-US" dirty="0"/>
               <a:t>、主页面的实现</a:t>
             </a:r>
-            <a:endParaRPr lang="en-US" altLang="zh-CN" dirty="0" smtClean="0"/>
-          </a:p>
-          <a:p>
-            <a:r>
-              <a:rPr lang="en-US" altLang="zh-CN" dirty="0" smtClean="0"/>
+            <a:endParaRPr lang="en-US" altLang="zh-CN" dirty="0"/>
+          </a:p>
+          <a:p>
+            <a:r>
+              <a:rPr lang="en-US" altLang="zh-CN" dirty="0"/>
               <a:t>4</a:t>
             </a:r>
             <a:r>
-              <a:rPr lang="zh-CN" altLang="en-US" dirty="0" smtClean="0"/>
+              <a:rPr lang="zh-CN" altLang="en-US" dirty="0"/>
               <a:t>、记录页面的实现</a:t>
             </a:r>
-            <a:endParaRPr lang="zh-CN" altLang="en-US" dirty="0"/>
           </a:p>
         </p:txBody>
       </p:sp>
@@ -4275,13 +4283,6 @@
   <p:clrMapOvr>
     <a:masterClrMapping/>
   </p:clrMapOvr>
-  <p:timing>
-    <p:tnLst>
-      <p:par>
-        <p:cTn id="1" dur="indefinite" restart="never" nodeType="tmRoot"/>
-      </p:par>
-    </p:tnLst>
-  </p:timing>
 </p:sld>
 </file>
 
@@ -4319,10 +4320,9 @@
           <a:p>
             <a:pPr algn="ctr"/>
             <a:r>
-              <a:rPr lang="zh-CN" altLang="en-US" dirty="0" smtClean="0"/>
+              <a:rPr lang="zh-CN" altLang="en-US" dirty="0"/>
               <a:t>怎么样的小游戏</a:t>
             </a:r>
-            <a:endParaRPr lang="zh-CN" altLang="en-US" dirty="0"/>
           </a:p>
         </p:txBody>
       </p:sp>
@@ -4346,10 +4346,10 @@
               <a:buChar char="•"/>
             </a:pPr>
             <a:r>
-              <a:rPr lang="zh-CN" altLang="en-US" dirty="0" smtClean="0"/>
+              <a:rPr lang="zh-CN" altLang="en-US" dirty="0"/>
               <a:t>剪刀石头布休闲小游戏，由三个模块构成。</a:t>
             </a:r>
-            <a:endParaRPr lang="en-US" altLang="zh-CN" dirty="0" smtClean="0"/>
+            <a:endParaRPr lang="en-US" altLang="zh-CN" dirty="0"/>
           </a:p>
           <a:p>
             <a:pPr marL="342900" indent="-342900">
@@ -4357,16 +4357,21 @@
               <a:buChar char="•"/>
             </a:pPr>
             <a:r>
-              <a:rPr lang="zh-CN" altLang="en-US" dirty="0" smtClean="0"/>
+              <a:rPr lang="zh-CN" altLang="en-US" dirty="0"/>
               <a:t>实现用户与电脑进行对战，进行分析结果，并记录每一次的对战结果</a:t>
             </a:r>
-            <a:endParaRPr lang="zh-CN" altLang="en-US" dirty="0"/>
           </a:p>
         </p:txBody>
       </p:sp>
       <p:pic>
         <p:nvPicPr>
-          <p:cNvPr id="6" name="图片 5"/>
+          <p:cNvPr id="3" name="图片 2">
+            <a:extLst>
+              <a:ext uri="{FF2B5EF4-FFF2-40B4-BE49-F238E27FC236}">
+                <a16:creationId xmlns:a16="http://schemas.microsoft.com/office/drawing/2014/main" id="{42A51162-4BC3-4F3A-8AE6-CE66C4350A24}"/>
+              </a:ext>
+            </a:extLst>
+          </p:cNvPr>
           <p:cNvPicPr>
             <a:picLocks noChangeAspect="1"/>
           </p:cNvPicPr>
@@ -4386,8 +4391,8 @@
         </p:blipFill>
         <p:spPr>
           <a:xfrm>
-            <a:off x="2932915" y="235579"/>
-            <a:ext cx="3323291" cy="6291988"/>
+            <a:off x="3082205" y="779911"/>
+            <a:ext cx="2979589" cy="5298177"/>
           </a:xfrm>
           <a:prstGeom prst="rect">
             <a:avLst/>
@@ -4438,7 +4443,7 @@
                                           </p:stCondLst>
                                         </p:cTn>
                                         <p:tgtEl>
-                                          <p:spTgt spid="6"/>
+                                          <p:spTgt spid="3"/>
                                         </p:tgtEl>
                                         <p:attrNameLst>
                                           <p:attrName>style.visibility</p:attrName>
@@ -4452,7 +4457,7 @@
                                       <p:cBhvr>
                                         <p:cTn id="7" dur="1000"/>
                                         <p:tgtEl>
-                                          <p:spTgt spid="6"/>
+                                          <p:spTgt spid="3"/>
                                         </p:tgtEl>
                                       </p:cBhvr>
                                     </p:animEffect>
@@ -4460,7 +4465,7 @@
                                       <p:cBhvr>
                                         <p:cTn id="8" dur="1000" fill="hold"/>
                                         <p:tgtEl>
-                                          <p:spTgt spid="6"/>
+                                          <p:spTgt spid="3"/>
                                         </p:tgtEl>
                                         <p:attrNameLst>
                                           <p:attrName>ppt_x</p:attrName>
@@ -4483,7 +4488,7 @@
                                       <p:cBhvr>
                                         <p:cTn id="9" dur="1000" fill="hold"/>
                                         <p:tgtEl>
-                                          <p:spTgt spid="6"/>
+                                          <p:spTgt spid="3"/>
                                         </p:tgtEl>
                                         <p:attrNameLst>
                                           <p:attrName>ppt_y</p:attrName>
@@ -4570,10 +4575,9 @@
           <a:p>
             <a:pPr algn="ctr"/>
             <a:r>
-              <a:rPr lang="zh-CN" altLang="en-US" dirty="0" smtClean="0"/>
+              <a:rPr lang="zh-CN" altLang="en-US" dirty="0"/>
               <a:t>闪屏界面的实现</a:t>
             </a:r>
-            <a:endParaRPr lang="zh-CN" altLang="en-US" dirty="0"/>
           </a:p>
         </p:txBody>
       </p:sp>
@@ -4604,7 +4608,6 @@
               <a:rPr lang="zh-CN" altLang="en-US" dirty="0"/>
               <a:t>发送延迟消息</a:t>
             </a:r>
-            <a:endParaRPr lang="zh-CN" altLang="en-US" dirty="0"/>
           </a:p>
         </p:txBody>
       </p:sp>
@@ -4648,13 +4651,6 @@
   <p:clrMapOvr>
     <a:masterClrMapping/>
   </p:clrMapOvr>
-  <p:timing>
-    <p:tnLst>
-      <p:par>
-        <p:cTn id="1" dur="indefinite" restart="never" nodeType="tmRoot"/>
-      </p:par>
-    </p:tnLst>
-  </p:timing>
 </p:sld>
 </file>
 
@@ -4692,10 +4688,9 @@
           <a:p>
             <a:pPr algn="ctr"/>
             <a:r>
-              <a:rPr lang="zh-CN" altLang="en-US" dirty="0" smtClean="0"/>
+              <a:rPr lang="zh-CN" altLang="en-US" dirty="0"/>
               <a:t>主页面的实现</a:t>
             </a:r>
-            <a:endParaRPr lang="zh-CN" altLang="en-US" dirty="0"/>
           </a:p>
         </p:txBody>
       </p:sp>
@@ -4721,10 +4716,10 @@
               <a:buChar char="•"/>
             </a:pPr>
             <a:r>
-              <a:rPr lang="zh-CN" altLang="en-US" dirty="0" smtClean="0"/>
+              <a:rPr lang="zh-CN" altLang="en-US" dirty="0"/>
               <a:t>字符的存储和调用</a:t>
             </a:r>
-            <a:endParaRPr lang="en-US" altLang="zh-CN" dirty="0" smtClean="0"/>
+            <a:endParaRPr lang="en-US" altLang="zh-CN" dirty="0"/>
           </a:p>
           <a:p>
             <a:pPr marL="342900" indent="-342900">
@@ -4732,10 +4727,10 @@
               <a:buChar char="•"/>
             </a:pPr>
             <a:r>
-              <a:rPr lang="zh-CN" altLang="en-US" dirty="0" smtClean="0"/>
+              <a:rPr lang="zh-CN" altLang="en-US" dirty="0"/>
               <a:t>基本算法的实现</a:t>
             </a:r>
-            <a:endParaRPr lang="en-US" altLang="zh-CN" dirty="0" smtClean="0"/>
+            <a:endParaRPr lang="en-US" altLang="zh-CN" dirty="0"/>
           </a:p>
           <a:p>
             <a:pPr marL="342900" indent="-342900">
@@ -4743,10 +4738,9 @@
               <a:buChar char="•"/>
             </a:pPr>
             <a:r>
-              <a:rPr lang="zh-CN" altLang="en-US" dirty="0" smtClean="0"/>
+              <a:rPr lang="zh-CN" altLang="en-US" dirty="0"/>
               <a:t>退出的操作</a:t>
             </a:r>
-            <a:endParaRPr lang="zh-CN" altLang="en-US" dirty="0"/>
           </a:p>
         </p:txBody>
       </p:sp>
@@ -4760,13 +4754,6 @@
   <p:clrMapOvr>
     <a:masterClrMapping/>
   </p:clrMapOvr>
-  <p:timing>
-    <p:tnLst>
-      <p:par>
-        <p:cTn id="1" dur="indefinite" restart="never" nodeType="tmRoot"/>
-      </p:par>
-    </p:tnLst>
-  </p:timing>
 </p:sld>
 </file>
 
@@ -4808,10 +4795,6 @@
               <a:rPr lang="zh-CN" altLang="en-US" dirty="0"/>
               <a:t>字符的存储和调用</a:t>
             </a:r>
-            <a:r>
-              <a:rPr lang="en-US" altLang="zh-CN" dirty="0"/>
-              <a:t/>
-            </a:r>
             <a:br>
               <a:rPr lang="en-US" altLang="zh-CN" dirty="0"/>
             </a:br>
@@ -4835,32 +4818,32 @@
           <a:lstStyle/>
           <a:p>
             <a:r>
-              <a:rPr lang="zh-CN" altLang="en-US" dirty="0" smtClean="0"/>
+              <a:rPr lang="zh-CN" altLang="en-US" dirty="0"/>
               <a:t>使用</a:t>
             </a:r>
             <a:r>
-              <a:rPr lang="en-US" altLang="zh-CN" dirty="0" smtClean="0"/>
+              <a:rPr lang="en-US" altLang="zh-CN" dirty="0"/>
               <a:t>xml</a:t>
             </a:r>
             <a:r>
-              <a:rPr lang="zh-CN" altLang="en-US" dirty="0" smtClean="0"/>
+              <a:rPr lang="zh-CN" altLang="en-US" dirty="0"/>
               <a:t>资源文件存储定义字符串，便于修改和共享，减少应用的体积，降低数据的冗余。如在</a:t>
             </a:r>
             <a:r>
-              <a:rPr lang="en-US" altLang="zh-CN" dirty="0" smtClean="0"/>
+              <a:rPr lang="en-US" altLang="zh-CN" dirty="0"/>
               <a:t>res\strings.xml</a:t>
             </a:r>
             <a:r>
-              <a:rPr lang="zh-CN" altLang="en-US" dirty="0" smtClean="0"/>
+              <a:rPr lang="zh-CN" altLang="en-US" dirty="0"/>
               <a:t>中进行定义。</a:t>
             </a:r>
-            <a:endParaRPr lang="en-US" altLang="zh-CN" dirty="0" smtClean="0"/>
+            <a:endParaRPr lang="en-US" altLang="zh-CN" dirty="0"/>
           </a:p>
           <a:p>
             <a:pPr marL="0" indent="0">
               <a:buNone/>
             </a:pPr>
-            <a:endParaRPr lang="en-US" altLang="zh-CN" dirty="0" smtClean="0"/>
+            <a:endParaRPr lang="en-US" altLang="zh-CN" dirty="0"/>
           </a:p>
           <a:p>
             <a:pPr marL="0" indent="0">
@@ -4910,13 +4893,6 @@
   <p:clrMapOvr>
     <a:masterClrMapping/>
   </p:clrMapOvr>
-  <p:timing>
-    <p:tnLst>
-      <p:par>
-        <p:cTn id="1" dur="indefinite" restart="never" nodeType="tmRoot"/>
-      </p:par>
-    </p:tnLst>
-  </p:timing>
 </p:sld>
 </file>
 
@@ -4957,10 +4933,6 @@
             <a:r>
               <a:rPr lang="zh-CN" altLang="en-US" dirty="0"/>
               <a:t>基本算法的实现</a:t>
-            </a:r>
-            <a:r>
-              <a:rPr lang="en-US" altLang="zh-CN" dirty="0"/>
-              <a:t/>
             </a:r>
             <a:br>
               <a:rPr lang="en-US" altLang="zh-CN" dirty="0"/>
@@ -5043,13 +5015,6 @@
   <p:clrMapOvr>
     <a:masterClrMapping/>
   </p:clrMapOvr>
-  <p:timing>
-    <p:tnLst>
-      <p:par>
-        <p:cTn id="1" dur="indefinite" restart="never" nodeType="tmRoot"/>
-      </p:par>
-    </p:tnLst>
-  </p:timing>
 </p:sld>
 </file>
 
@@ -5170,10 +5135,9 @@
               <a:t>()</a:t>
             </a:r>
             <a:r>
-              <a:rPr lang="zh-CN" altLang="en-US" dirty="0" smtClean="0"/>
+              <a:rPr lang="zh-CN" altLang="en-US" dirty="0"/>
               <a:t>函数。</a:t>
             </a:r>
-            <a:endParaRPr lang="zh-CN" altLang="en-US" dirty="0"/>
           </a:p>
         </p:txBody>
       </p:sp>
@@ -5251,13 +5215,6 @@
   <p:clrMapOvr>
     <a:masterClrMapping/>
   </p:clrMapOvr>
-  <p:timing>
-    <p:tnLst>
-      <p:par>
-        <p:cTn id="1" dur="indefinite" restart="never" nodeType="tmRoot"/>
-      </p:par>
-    </p:tnLst>
-  </p:timing>
 </p:sld>
 </file>
 
@@ -5296,13 +5253,8 @@
             <a:pPr algn="ctr"/>
             <a:r>
               <a:rPr lang="zh-CN" altLang="en-US" dirty="0"/>
-              <a:t>记录页面的</a:t>
-            </a:r>
-            <a:r>
-              <a:rPr lang="zh-CN" altLang="en-US" dirty="0" smtClean="0"/>
-              <a:t>实现</a:t>
-            </a:r>
-            <a:endParaRPr lang="zh-CN" altLang="en-US" dirty="0"/>
+              <a:t>记录页面的实现</a:t>
+            </a:r>
           </a:p>
         </p:txBody>
       </p:sp>
@@ -5322,29 +5274,28 @@
           <a:lstStyle/>
           <a:p>
             <a:r>
-              <a:rPr lang="zh-CN" altLang="en-US" dirty="0" smtClean="0"/>
+              <a:rPr lang="zh-CN" altLang="en-US" dirty="0"/>
               <a:t>页面使用</a:t>
             </a:r>
             <a:r>
-              <a:rPr lang="en-US" altLang="zh-CN" dirty="0" err="1" smtClean="0"/>
+              <a:rPr lang="en-US" altLang="zh-CN" dirty="0" err="1"/>
               <a:t>listview</a:t>
             </a:r>
-            <a:endParaRPr lang="en-US" altLang="zh-CN" dirty="0" smtClean="0"/>
-          </a:p>
-          <a:p>
-            <a:r>
-              <a:rPr lang="zh-CN" altLang="en-US" dirty="0" smtClean="0"/>
+            <a:endParaRPr lang="en-US" altLang="zh-CN" dirty="0"/>
+          </a:p>
+          <a:p>
+            <a:r>
+              <a:rPr lang="zh-CN" altLang="en-US" dirty="0"/>
               <a:t>再通过</a:t>
             </a:r>
             <a:r>
-              <a:rPr lang="en-US" altLang="zh-CN" dirty="0" err="1" smtClean="0"/>
+              <a:rPr lang="en-US" altLang="zh-CN" dirty="0" err="1"/>
               <a:t>putExtra</a:t>
             </a:r>
             <a:r>
-              <a:rPr lang="zh-CN" altLang="en-US" dirty="0" smtClean="0"/>
+              <a:rPr lang="zh-CN" altLang="en-US" dirty="0"/>
               <a:t>传递数据到记录页面</a:t>
             </a:r>
-            <a:endParaRPr lang="zh-CN" altLang="en-US" dirty="0"/>
           </a:p>
         </p:txBody>
       </p:sp>
@@ -5422,13 +5373,6 @@
   <p:clrMapOvr>
     <a:masterClrMapping/>
   </p:clrMapOvr>
-  <p:timing>
-    <p:tnLst>
-      <p:par>
-        <p:cTn id="1" dur="indefinite" restart="never" nodeType="tmRoot"/>
-      </p:par>
-    </p:tnLst>
-  </p:timing>
 </p:sld>
 </file>
 
